--- a/slides/Systems-Thinhing-Figeres.pptx
+++ b/slides/Systems-Thinhing-Figeres.pptx
@@ -6,6 +6,7 @@
   </p:sldMasterIdLst>
   <p:sldIdLst>
     <p:sldId id="256" r:id="rId2"/>
+    <p:sldId id="257" r:id="rId3"/>
   </p:sldIdLst>
   <p:sldSz cx="12192000" cy="6858000"/>
   <p:notesSz cx="6858000" cy="9144000"/>
@@ -3342,7 +3343,10 @@
           <a:bodyPr/>
           <a:lstStyle/>
           <a:p>
-            <a:endParaRPr lang="en-US"/>
+            <a:r>
+              <a:rPr lang="en-US" dirty="0"/>
+              <a:t>Systems Thinking Figures</a:t>
+            </a:r>
           </a:p>
         </p:txBody>
       </p:sp>
@@ -3375,6 +3379,556 @@
     <p:extLst>
       <p:ext uri="{BB962C8B-B14F-4D97-AF65-F5344CB8AC3E}">
         <p14:creationId xmlns:p14="http://schemas.microsoft.com/office/powerpoint/2010/main" val="1315175844"/>
+      </p:ext>
+    </p:extLst>
+  </p:cSld>
+  <p:clrMapOvr>
+    <a:masterClrMapping/>
+  </p:clrMapOvr>
+</p:sld>
+</file>
+
+<file path=ppt/slides/slide2.xml><?xml version="1.0" encoding="utf-8"?>
+<p:sld xmlns:a="http://schemas.openxmlformats.org/drawingml/2006/main" xmlns:r="http://schemas.openxmlformats.org/officeDocument/2006/relationships" xmlns:p="http://schemas.openxmlformats.org/presentationml/2006/main">
+  <p:cSld>
+    <p:spTree>
+      <p:nvGrpSpPr>
+        <p:cNvPr id="1" name=""/>
+        <p:cNvGrpSpPr/>
+        <p:nvPr/>
+      </p:nvGrpSpPr>
+      <p:grpSpPr>
+        <a:xfrm>
+          <a:off x="0" y="0"/>
+          <a:ext cx="0" cy="0"/>
+          <a:chOff x="0" y="0"/>
+          <a:chExt cx="0" cy="0"/>
+        </a:xfrm>
+      </p:grpSpPr>
+      <p:sp>
+        <p:nvSpPr>
+          <p:cNvPr id="2" name="Title 1">
+            <a:extLst>
+              <a:ext uri="{FF2B5EF4-FFF2-40B4-BE49-F238E27FC236}">
+                <a16:creationId xmlns:a16="http://schemas.microsoft.com/office/drawing/2014/main" id="{0ECC2577-C273-72E7-35A3-A3865CB93C09}"/>
+              </a:ext>
+            </a:extLst>
+          </p:cNvPr>
+          <p:cNvSpPr>
+            <a:spLocks noGrp="1"/>
+          </p:cNvSpPr>
+          <p:nvPr>
+            <p:ph type="title"/>
+          </p:nvPr>
+        </p:nvSpPr>
+        <p:spPr/>
+        <p:txBody>
+          <a:bodyPr/>
+          <a:lstStyle/>
+          <a:p>
+            <a:r>
+              <a:rPr lang="en-US" dirty="0"/>
+              <a:t>Reinforcing Loop</a:t>
+            </a:r>
+          </a:p>
+        </p:txBody>
+      </p:sp>
+      <p:sp>
+        <p:nvSpPr>
+          <p:cNvPr id="3" name="Content Placeholder 2">
+            <a:extLst>
+              <a:ext uri="{FF2B5EF4-FFF2-40B4-BE49-F238E27FC236}">
+                <a16:creationId xmlns:a16="http://schemas.microsoft.com/office/drawing/2014/main" id="{BF286027-FAD8-E54D-C15D-7E7827DD89D0}"/>
+              </a:ext>
+            </a:extLst>
+          </p:cNvPr>
+          <p:cNvSpPr>
+            <a:spLocks noGrp="1"/>
+          </p:cNvSpPr>
+          <p:nvPr>
+            <p:ph idx="1"/>
+          </p:nvPr>
+        </p:nvSpPr>
+        <p:spPr>
+          <a:xfrm>
+            <a:off x="838200" y="5115697"/>
+            <a:ext cx="10515600" cy="1061266"/>
+          </a:xfrm>
+        </p:spPr>
+        <p:txBody>
+          <a:bodyPr/>
+          <a:lstStyle/>
+          <a:p>
+            <a:endParaRPr lang="en-US"/>
+          </a:p>
+        </p:txBody>
+      </p:sp>
+      <p:grpSp>
+        <p:nvGrpSpPr>
+          <p:cNvPr id="6" name="Group 5">
+            <a:extLst>
+              <a:ext uri="{FF2B5EF4-FFF2-40B4-BE49-F238E27FC236}">
+                <a16:creationId xmlns:a16="http://schemas.microsoft.com/office/drawing/2014/main" id="{F99F8D42-EFC6-55B6-7805-C8E6BA1ACE18}"/>
+              </a:ext>
+            </a:extLst>
+          </p:cNvPr>
+          <p:cNvGrpSpPr/>
+          <p:nvPr/>
+        </p:nvGrpSpPr>
+        <p:grpSpPr>
+          <a:xfrm>
+            <a:off x="1320800" y="2988236"/>
+            <a:ext cx="741082" cy="741840"/>
+            <a:chOff x="3209365" y="2970307"/>
+            <a:chExt cx="741082" cy="741840"/>
+          </a:xfrm>
+        </p:grpSpPr>
+        <p:sp>
+          <p:nvSpPr>
+            <p:cNvPr id="4" name="TextBox 3">
+              <a:extLst>
+                <a:ext uri="{FF2B5EF4-FFF2-40B4-BE49-F238E27FC236}">
+                  <a16:creationId xmlns:a16="http://schemas.microsoft.com/office/drawing/2014/main" id="{27E7B50B-FFDE-2AB3-AB3E-B92093B7A631}"/>
+                </a:ext>
+              </a:extLst>
+            </p:cNvPr>
+            <p:cNvSpPr txBox="1"/>
+            <p:nvPr/>
+          </p:nvSpPr>
+          <p:spPr>
+            <a:xfrm>
+              <a:off x="3336324" y="3027405"/>
+              <a:ext cx="518091" cy="646331"/>
+            </a:xfrm>
+            <a:prstGeom prst="rect">
+              <a:avLst/>
+            </a:prstGeom>
+            <a:noFill/>
+          </p:spPr>
+          <p:txBody>
+            <a:bodyPr wrap="none" rtlCol="0">
+              <a:spAutoFit/>
+            </a:bodyPr>
+            <a:lstStyle/>
+            <a:p>
+              <a:r>
+                <a:rPr lang="en-US" sz="3600" b="1" dirty="0">
+                  <a:latin typeface="Arial" panose="020B0604020202020204" pitchFamily="34" charset="0"/>
+                  <a:cs typeface="Arial" panose="020B0604020202020204" pitchFamily="34" charset="0"/>
+                </a:rPr>
+                <a:t>R</a:t>
+              </a:r>
+            </a:p>
+          </p:txBody>
+        </p:sp>
+        <p:sp>
+          <p:nvSpPr>
+            <p:cNvPr id="5" name="Arc 4">
+              <a:extLst>
+                <a:ext uri="{FF2B5EF4-FFF2-40B4-BE49-F238E27FC236}">
+                  <a16:creationId xmlns:a16="http://schemas.microsoft.com/office/drawing/2014/main" id="{B0B9667F-3273-2AF5-281C-A766A873AA7A}"/>
+                </a:ext>
+              </a:extLst>
+            </p:cNvPr>
+            <p:cNvSpPr/>
+            <p:nvPr/>
+          </p:nvSpPr>
+          <p:spPr>
+            <a:xfrm>
+              <a:off x="3209365" y="2970307"/>
+              <a:ext cx="741082" cy="741840"/>
+            </a:xfrm>
+            <a:prstGeom prst="arc">
+              <a:avLst>
+                <a:gd name="adj1" fmla="val 1210228"/>
+                <a:gd name="adj2" fmla="val 20752912"/>
+              </a:avLst>
+            </a:prstGeom>
+            <a:ln w="38100">
+              <a:solidFill>
+                <a:schemeClr val="tx1"/>
+              </a:solidFill>
+              <a:headEnd type="none" w="med" len="med"/>
+              <a:tailEnd type="triangle" w="med" len="med"/>
+            </a:ln>
+          </p:spPr>
+          <p:style>
+            <a:lnRef idx="2">
+              <a:schemeClr val="accent1"/>
+            </a:lnRef>
+            <a:fillRef idx="0">
+              <a:schemeClr val="accent1"/>
+            </a:fillRef>
+            <a:effectRef idx="1">
+              <a:schemeClr val="accent1"/>
+            </a:effectRef>
+            <a:fontRef idx="minor">
+              <a:schemeClr val="tx1"/>
+            </a:fontRef>
+          </p:style>
+          <p:txBody>
+            <a:bodyPr rtlCol="0" anchor="ctr"/>
+            <a:lstStyle/>
+            <a:p>
+              <a:pPr algn="ctr"/>
+              <a:endParaRPr lang="en-US"/>
+            </a:p>
+          </p:txBody>
+        </p:sp>
+      </p:grpSp>
+      <p:grpSp>
+        <p:nvGrpSpPr>
+          <p:cNvPr id="10" name="Group 9">
+            <a:extLst>
+              <a:ext uri="{FF2B5EF4-FFF2-40B4-BE49-F238E27FC236}">
+                <a16:creationId xmlns:a16="http://schemas.microsoft.com/office/drawing/2014/main" id="{88E27406-14D5-B1A9-8F0C-9C35E9E6A98B}"/>
+              </a:ext>
+            </a:extLst>
+          </p:cNvPr>
+          <p:cNvGrpSpPr/>
+          <p:nvPr/>
+        </p:nvGrpSpPr>
+        <p:grpSpPr>
+          <a:xfrm>
+            <a:off x="2925482" y="2997579"/>
+            <a:ext cx="741082" cy="741840"/>
+            <a:chOff x="2925482" y="2997579"/>
+            <a:chExt cx="741082" cy="741840"/>
+          </a:xfrm>
+        </p:grpSpPr>
+        <p:sp>
+          <p:nvSpPr>
+            <p:cNvPr id="8" name="TextBox 7">
+              <a:extLst>
+                <a:ext uri="{FF2B5EF4-FFF2-40B4-BE49-F238E27FC236}">
+                  <a16:creationId xmlns:a16="http://schemas.microsoft.com/office/drawing/2014/main" id="{26590C3E-9770-BCB6-BF77-B99BC744072E}"/>
+                </a:ext>
+              </a:extLst>
+            </p:cNvPr>
+            <p:cNvSpPr txBox="1"/>
+            <p:nvPr/>
+          </p:nvSpPr>
+          <p:spPr>
+            <a:xfrm>
+              <a:off x="3052441" y="3054677"/>
+              <a:ext cx="518091" cy="646331"/>
+            </a:xfrm>
+            <a:prstGeom prst="rect">
+              <a:avLst/>
+            </a:prstGeom>
+            <a:noFill/>
+            <a:ln>
+              <a:noFill/>
+              <a:headEnd type="triangle" w="med" len="med"/>
+              <a:tailEnd type="none" w="med" len="med"/>
+            </a:ln>
+          </p:spPr>
+          <p:txBody>
+            <a:bodyPr wrap="none" rtlCol="0">
+              <a:spAutoFit/>
+            </a:bodyPr>
+            <a:lstStyle/>
+            <a:p>
+              <a:r>
+                <a:rPr lang="en-US" sz="3600" b="1" dirty="0">
+                  <a:latin typeface="Arial" panose="020B0604020202020204" pitchFamily="34" charset="0"/>
+                  <a:cs typeface="Arial" panose="020B0604020202020204" pitchFamily="34" charset="0"/>
+                </a:rPr>
+                <a:t>R</a:t>
+              </a:r>
+            </a:p>
+          </p:txBody>
+        </p:sp>
+        <p:sp>
+          <p:nvSpPr>
+            <p:cNvPr id="9" name="Arc 8">
+              <a:extLst>
+                <a:ext uri="{FF2B5EF4-FFF2-40B4-BE49-F238E27FC236}">
+                  <a16:creationId xmlns:a16="http://schemas.microsoft.com/office/drawing/2014/main" id="{EB360708-9BDC-F411-B70E-6B6A349B33EA}"/>
+                </a:ext>
+              </a:extLst>
+            </p:cNvPr>
+            <p:cNvSpPr/>
+            <p:nvPr/>
+          </p:nvSpPr>
+          <p:spPr>
+            <a:xfrm>
+              <a:off x="2925482" y="2997579"/>
+              <a:ext cx="741082" cy="741840"/>
+            </a:xfrm>
+            <a:prstGeom prst="arc">
+              <a:avLst>
+                <a:gd name="adj1" fmla="val 1210228"/>
+                <a:gd name="adj2" fmla="val 20752912"/>
+              </a:avLst>
+            </a:prstGeom>
+            <a:ln w="38100">
+              <a:solidFill>
+                <a:schemeClr val="tx1"/>
+              </a:solidFill>
+              <a:headEnd type="triangle" w="med" len="med"/>
+              <a:tailEnd type="none" w="med" len="med"/>
+            </a:ln>
+          </p:spPr>
+          <p:style>
+            <a:lnRef idx="2">
+              <a:schemeClr val="accent1"/>
+            </a:lnRef>
+            <a:fillRef idx="0">
+              <a:schemeClr val="accent1"/>
+            </a:fillRef>
+            <a:effectRef idx="1">
+              <a:schemeClr val="accent1"/>
+            </a:effectRef>
+            <a:fontRef idx="minor">
+              <a:schemeClr val="tx1"/>
+            </a:fontRef>
+          </p:style>
+          <p:txBody>
+            <a:bodyPr rtlCol="0" anchor="ctr"/>
+            <a:lstStyle/>
+            <a:p>
+              <a:pPr algn="ctr"/>
+              <a:endParaRPr lang="en-US"/>
+            </a:p>
+          </p:txBody>
+        </p:sp>
+      </p:grpSp>
+      <p:grpSp>
+        <p:nvGrpSpPr>
+          <p:cNvPr id="11" name="Group 10">
+            <a:extLst>
+              <a:ext uri="{FF2B5EF4-FFF2-40B4-BE49-F238E27FC236}">
+                <a16:creationId xmlns:a16="http://schemas.microsoft.com/office/drawing/2014/main" id="{65FF5A25-3055-D0BA-E496-3B608F45867B}"/>
+              </a:ext>
+            </a:extLst>
+          </p:cNvPr>
+          <p:cNvGrpSpPr/>
+          <p:nvPr/>
+        </p:nvGrpSpPr>
+        <p:grpSpPr>
+          <a:xfrm>
+            <a:off x="4981389" y="2988644"/>
+            <a:ext cx="741082" cy="741840"/>
+            <a:chOff x="3209365" y="2970307"/>
+            <a:chExt cx="741082" cy="741840"/>
+          </a:xfrm>
+        </p:grpSpPr>
+        <p:sp>
+          <p:nvSpPr>
+            <p:cNvPr id="12" name="TextBox 11">
+              <a:extLst>
+                <a:ext uri="{FF2B5EF4-FFF2-40B4-BE49-F238E27FC236}">
+                  <a16:creationId xmlns:a16="http://schemas.microsoft.com/office/drawing/2014/main" id="{70583D5F-2869-570C-42E8-4789D14E526E}"/>
+                </a:ext>
+              </a:extLst>
+            </p:cNvPr>
+            <p:cNvSpPr txBox="1"/>
+            <p:nvPr/>
+          </p:nvSpPr>
+          <p:spPr>
+            <a:xfrm>
+              <a:off x="3336324" y="3027405"/>
+              <a:ext cx="518091" cy="646331"/>
+            </a:xfrm>
+            <a:prstGeom prst="rect">
+              <a:avLst/>
+            </a:prstGeom>
+            <a:noFill/>
+          </p:spPr>
+          <p:txBody>
+            <a:bodyPr wrap="none" rtlCol="0">
+              <a:spAutoFit/>
+            </a:bodyPr>
+            <a:lstStyle/>
+            <a:p>
+              <a:r>
+                <a:rPr lang="en-US" sz="3600" b="1" dirty="0">
+                  <a:latin typeface="Arial" panose="020B0604020202020204" pitchFamily="34" charset="0"/>
+                  <a:cs typeface="Arial" panose="020B0604020202020204" pitchFamily="34" charset="0"/>
+                </a:rPr>
+                <a:t>B</a:t>
+              </a:r>
+            </a:p>
+          </p:txBody>
+        </p:sp>
+        <p:sp>
+          <p:nvSpPr>
+            <p:cNvPr id="13" name="Arc 12">
+              <a:extLst>
+                <a:ext uri="{FF2B5EF4-FFF2-40B4-BE49-F238E27FC236}">
+                  <a16:creationId xmlns:a16="http://schemas.microsoft.com/office/drawing/2014/main" id="{DC50A072-A802-FFB7-9924-D533122655AD}"/>
+                </a:ext>
+              </a:extLst>
+            </p:cNvPr>
+            <p:cNvSpPr/>
+            <p:nvPr/>
+          </p:nvSpPr>
+          <p:spPr>
+            <a:xfrm>
+              <a:off x="3209365" y="2970307"/>
+              <a:ext cx="741082" cy="741840"/>
+            </a:xfrm>
+            <a:prstGeom prst="arc">
+              <a:avLst>
+                <a:gd name="adj1" fmla="val 1210228"/>
+                <a:gd name="adj2" fmla="val 20752912"/>
+              </a:avLst>
+            </a:prstGeom>
+            <a:ln w="38100">
+              <a:solidFill>
+                <a:schemeClr val="tx1"/>
+              </a:solidFill>
+              <a:headEnd type="none" w="med" len="med"/>
+              <a:tailEnd type="triangle" w="med" len="med"/>
+            </a:ln>
+          </p:spPr>
+          <p:style>
+            <a:lnRef idx="2">
+              <a:schemeClr val="accent1"/>
+            </a:lnRef>
+            <a:fillRef idx="0">
+              <a:schemeClr val="accent1"/>
+            </a:fillRef>
+            <a:effectRef idx="1">
+              <a:schemeClr val="accent1"/>
+            </a:effectRef>
+            <a:fontRef idx="minor">
+              <a:schemeClr val="tx1"/>
+            </a:fontRef>
+          </p:style>
+          <p:txBody>
+            <a:bodyPr rtlCol="0" anchor="ctr"/>
+            <a:lstStyle/>
+            <a:p>
+              <a:pPr algn="ctr"/>
+              <a:endParaRPr lang="en-US"/>
+            </a:p>
+          </p:txBody>
+        </p:sp>
+      </p:grpSp>
+      <p:grpSp>
+        <p:nvGrpSpPr>
+          <p:cNvPr id="14" name="Group 13">
+            <a:extLst>
+              <a:ext uri="{FF2B5EF4-FFF2-40B4-BE49-F238E27FC236}">
+                <a16:creationId xmlns:a16="http://schemas.microsoft.com/office/drawing/2014/main" id="{1CF80036-9CA4-725E-9BA4-2FB50570F7B5}"/>
+              </a:ext>
+            </a:extLst>
+          </p:cNvPr>
+          <p:cNvGrpSpPr/>
+          <p:nvPr/>
+        </p:nvGrpSpPr>
+        <p:grpSpPr>
+          <a:xfrm>
+            <a:off x="6586071" y="2997987"/>
+            <a:ext cx="741082" cy="741840"/>
+            <a:chOff x="2925482" y="2997579"/>
+            <a:chExt cx="741082" cy="741840"/>
+          </a:xfrm>
+        </p:grpSpPr>
+        <p:sp>
+          <p:nvSpPr>
+            <p:cNvPr id="15" name="TextBox 14">
+              <a:extLst>
+                <a:ext uri="{FF2B5EF4-FFF2-40B4-BE49-F238E27FC236}">
+                  <a16:creationId xmlns:a16="http://schemas.microsoft.com/office/drawing/2014/main" id="{6087F1B7-A9A8-459F-52B5-58CD6E0982B5}"/>
+                </a:ext>
+              </a:extLst>
+            </p:cNvPr>
+            <p:cNvSpPr txBox="1"/>
+            <p:nvPr/>
+          </p:nvSpPr>
+          <p:spPr>
+            <a:xfrm>
+              <a:off x="3052441" y="3054677"/>
+              <a:ext cx="518091" cy="646331"/>
+            </a:xfrm>
+            <a:prstGeom prst="rect">
+              <a:avLst/>
+            </a:prstGeom>
+            <a:noFill/>
+            <a:ln>
+              <a:noFill/>
+              <a:headEnd type="triangle" w="med" len="med"/>
+              <a:tailEnd type="none" w="med" len="med"/>
+            </a:ln>
+          </p:spPr>
+          <p:txBody>
+            <a:bodyPr wrap="none" rtlCol="0">
+              <a:spAutoFit/>
+            </a:bodyPr>
+            <a:lstStyle/>
+            <a:p>
+              <a:r>
+                <a:rPr lang="en-US" sz="3600" b="1" dirty="0">
+                  <a:latin typeface="Arial" panose="020B0604020202020204" pitchFamily="34" charset="0"/>
+                  <a:cs typeface="Arial" panose="020B0604020202020204" pitchFamily="34" charset="0"/>
+                </a:rPr>
+                <a:t>B</a:t>
+              </a:r>
+            </a:p>
+          </p:txBody>
+        </p:sp>
+        <p:sp>
+          <p:nvSpPr>
+            <p:cNvPr id="16" name="Arc 15">
+              <a:extLst>
+                <a:ext uri="{FF2B5EF4-FFF2-40B4-BE49-F238E27FC236}">
+                  <a16:creationId xmlns:a16="http://schemas.microsoft.com/office/drawing/2014/main" id="{B0F50FBB-3FB2-9426-42A8-6079237DB3D5}"/>
+                </a:ext>
+              </a:extLst>
+            </p:cNvPr>
+            <p:cNvSpPr/>
+            <p:nvPr/>
+          </p:nvSpPr>
+          <p:spPr>
+            <a:xfrm>
+              <a:off x="2925482" y="2997579"/>
+              <a:ext cx="741082" cy="741840"/>
+            </a:xfrm>
+            <a:prstGeom prst="arc">
+              <a:avLst>
+                <a:gd name="adj1" fmla="val 1210228"/>
+                <a:gd name="adj2" fmla="val 20752912"/>
+              </a:avLst>
+            </a:prstGeom>
+            <a:ln w="38100">
+              <a:solidFill>
+                <a:schemeClr val="tx1"/>
+              </a:solidFill>
+              <a:headEnd type="triangle" w="med" len="med"/>
+              <a:tailEnd type="none" w="med" len="med"/>
+            </a:ln>
+          </p:spPr>
+          <p:style>
+            <a:lnRef idx="2">
+              <a:schemeClr val="accent1"/>
+            </a:lnRef>
+            <a:fillRef idx="0">
+              <a:schemeClr val="accent1"/>
+            </a:fillRef>
+            <a:effectRef idx="1">
+              <a:schemeClr val="accent1"/>
+            </a:effectRef>
+            <a:fontRef idx="minor">
+              <a:schemeClr val="tx1"/>
+            </a:fontRef>
+          </p:style>
+          <p:txBody>
+            <a:bodyPr rtlCol="0" anchor="ctr"/>
+            <a:lstStyle/>
+            <a:p>
+              <a:pPr algn="ctr"/>
+              <a:endParaRPr lang="en-US"/>
+            </a:p>
+          </p:txBody>
+        </p:sp>
+      </p:grpSp>
+    </p:spTree>
+    <p:extLst>
+      <p:ext uri="{BB962C8B-B14F-4D97-AF65-F5344CB8AC3E}">
+        <p14:creationId xmlns:p14="http://schemas.microsoft.com/office/powerpoint/2010/main" val="514130845"/>
       </p:ext>
     </p:extLst>
   </p:cSld>
